--- a/Docs/Auth and API flow.pptx
+++ b/Docs/Auth and API flow.pptx
@@ -216,7 +216,7 @@
           <a:p>
             <a:fld id="{13B7006A-5A18-479A-9548-86052CE820ED}" type="datetimeFigureOut">
               <a:rPr lang="en-US" smtClean="0"/>
-              <a:t>1/27/2020</a:t>
+              <a:t>1/29/2020</a:t>
             </a:fld>
             <a:endParaRPr lang="en-US"/>
           </a:p>
@@ -774,7 +774,7 @@
           <a:p>
             <a:fld id="{5290CCD8-7197-4076-BE59-A63AE519E34E}" type="datetimeFigureOut">
               <a:rPr lang="en-US" smtClean="0"/>
-              <a:t>1/27/2020</a:t>
+              <a:t>1/29/2020</a:t>
             </a:fld>
             <a:endParaRPr lang="en-US"/>
           </a:p>
@@ -972,7 +972,7 @@
           <a:p>
             <a:fld id="{5290CCD8-7197-4076-BE59-A63AE519E34E}" type="datetimeFigureOut">
               <a:rPr lang="en-US" smtClean="0"/>
-              <a:t>1/27/2020</a:t>
+              <a:t>1/29/2020</a:t>
             </a:fld>
             <a:endParaRPr lang="en-US"/>
           </a:p>
@@ -1180,7 +1180,7 @@
           <a:p>
             <a:fld id="{5290CCD8-7197-4076-BE59-A63AE519E34E}" type="datetimeFigureOut">
               <a:rPr lang="en-US" smtClean="0"/>
-              <a:t>1/27/2020</a:t>
+              <a:t>1/29/2020</a:t>
             </a:fld>
             <a:endParaRPr lang="en-US"/>
           </a:p>
@@ -1378,7 +1378,7 @@
           <a:p>
             <a:fld id="{5290CCD8-7197-4076-BE59-A63AE519E34E}" type="datetimeFigureOut">
               <a:rPr lang="en-US" smtClean="0"/>
-              <a:t>1/27/2020</a:t>
+              <a:t>1/29/2020</a:t>
             </a:fld>
             <a:endParaRPr lang="en-US"/>
           </a:p>
@@ -1653,7 +1653,7 @@
           <a:p>
             <a:fld id="{5290CCD8-7197-4076-BE59-A63AE519E34E}" type="datetimeFigureOut">
               <a:rPr lang="en-US" smtClean="0"/>
-              <a:t>1/27/2020</a:t>
+              <a:t>1/29/2020</a:t>
             </a:fld>
             <a:endParaRPr lang="en-US"/>
           </a:p>
@@ -1918,7 +1918,7 @@
           <a:p>
             <a:fld id="{5290CCD8-7197-4076-BE59-A63AE519E34E}" type="datetimeFigureOut">
               <a:rPr lang="en-US" smtClean="0"/>
-              <a:t>1/27/2020</a:t>
+              <a:t>1/29/2020</a:t>
             </a:fld>
             <a:endParaRPr lang="en-US"/>
           </a:p>
@@ -2330,7 +2330,7 @@
           <a:p>
             <a:fld id="{5290CCD8-7197-4076-BE59-A63AE519E34E}" type="datetimeFigureOut">
               <a:rPr lang="en-US" smtClean="0"/>
-              <a:t>1/27/2020</a:t>
+              <a:t>1/29/2020</a:t>
             </a:fld>
             <a:endParaRPr lang="en-US"/>
           </a:p>
@@ -2471,7 +2471,7 @@
           <a:p>
             <a:fld id="{5290CCD8-7197-4076-BE59-A63AE519E34E}" type="datetimeFigureOut">
               <a:rPr lang="en-US" smtClean="0"/>
-              <a:t>1/27/2020</a:t>
+              <a:t>1/29/2020</a:t>
             </a:fld>
             <a:endParaRPr lang="en-US"/>
           </a:p>
@@ -2584,7 +2584,7 @@
           <a:p>
             <a:fld id="{5290CCD8-7197-4076-BE59-A63AE519E34E}" type="datetimeFigureOut">
               <a:rPr lang="en-US" smtClean="0"/>
-              <a:t>1/27/2020</a:t>
+              <a:t>1/29/2020</a:t>
             </a:fld>
             <a:endParaRPr lang="en-US"/>
           </a:p>
@@ -2895,7 +2895,7 @@
           <a:p>
             <a:fld id="{5290CCD8-7197-4076-BE59-A63AE519E34E}" type="datetimeFigureOut">
               <a:rPr lang="en-US" smtClean="0"/>
-              <a:t>1/27/2020</a:t>
+              <a:t>1/29/2020</a:t>
             </a:fld>
             <a:endParaRPr lang="en-US"/>
           </a:p>
@@ -3183,7 +3183,7 @@
           <a:p>
             <a:fld id="{5290CCD8-7197-4076-BE59-A63AE519E34E}" type="datetimeFigureOut">
               <a:rPr lang="en-US" smtClean="0"/>
-              <a:t>1/27/2020</a:t>
+              <a:t>1/29/2020</a:t>
             </a:fld>
             <a:endParaRPr lang="en-US"/>
           </a:p>
@@ -3424,7 +3424,7 @@
           <a:p>
             <a:fld id="{5290CCD8-7197-4076-BE59-A63AE519E34E}" type="datetimeFigureOut">
               <a:rPr lang="en-US" smtClean="0"/>
-              <a:t>1/27/2020</a:t>
+              <a:t>1/29/2020</a:t>
             </a:fld>
             <a:endParaRPr lang="en-US"/>
           </a:p>
@@ -4546,9 +4546,9 @@
         <p:grpSpPr>
           <a:xfrm>
             <a:off x="4371368" y="851146"/>
-            <a:ext cx="1392432" cy="5847528"/>
+            <a:ext cx="1308371" cy="5847528"/>
             <a:chOff x="6461779" y="396412"/>
-            <a:chExt cx="1392432" cy="5303237"/>
+            <a:chExt cx="1308371" cy="5303237"/>
           </a:xfrm>
         </p:grpSpPr>
         <p:cxnSp>
@@ -4609,7 +4609,7 @@
           <p:spPr>
             <a:xfrm>
               <a:off x="6461779" y="396412"/>
-              <a:ext cx="1392432" cy="279129"/>
+              <a:ext cx="1308371" cy="279129"/>
             </a:xfrm>
             <a:prstGeom prst="rect">
               <a:avLst/>
@@ -4651,7 +4651,7 @@
                   <a:ea typeface="+mn-ea"/>
                   <a:cs typeface="+mn-cs"/>
                 </a:rPr>
-                <a:t>         Subscriber  </a:t>
+                <a:t>         Publisher  </a:t>
               </a:r>
             </a:p>
           </p:txBody>
@@ -8682,6 +8682,23 @@
 </file>
 
 <file path=customXml/item1.xml><?xml version="1.0" encoding="utf-8"?>
+<p:properties xmlns:p="http://schemas.microsoft.com/office/2006/metadata/properties" xmlns:xsi="http://www.w3.org/2001/XMLSchema-instance" xmlns:pc="http://schemas.microsoft.com/office/infopath/2007/PartnerControls">
+  <documentManagement>
+    <MediaServiceKeyPoints xmlns="30ba80bf-d9c2-4d8e-8eb2-39800b00708f" xsi:nil="true"/>
+  </documentManagement>
+</p:properties>
+</file>
+
+<file path=customXml/item2.xml><?xml version="1.0" encoding="utf-8"?>
+<?mso-contentType ?>
+<FormTemplates xmlns="http://schemas.microsoft.com/sharepoint/v3/contenttype/forms">
+  <Display>DocumentLibraryForm</Display>
+  <Edit>DocumentLibraryForm</Edit>
+  <New>DocumentLibraryForm</New>
+</FormTemplates>
+</file>
+
+<file path=customXml/item3.xml><?xml version="1.0" encoding="utf-8"?>
 <ct:contentTypeSchema xmlns:ct="http://schemas.microsoft.com/office/2006/metadata/contentType" xmlns:ma="http://schemas.microsoft.com/office/2006/metadata/properties/metaAttributes" ct:_="" ma:_="" ma:contentTypeName="Document" ma:contentTypeID="0x0101002C7AFDEF94D62A40AF08EE7D80E5F8AC" ma:contentTypeVersion="14" ma:contentTypeDescription="Create a new document." ma:contentTypeScope="" ma:versionID="7a23a8ccffc5f73cd34655d0cc6fdf57">
   <xsd:schema xmlns:xsd="http://www.w3.org/2001/XMLSchema" xmlns:xs="http://www.w3.org/2001/XMLSchema" xmlns:p="http://schemas.microsoft.com/office/2006/metadata/properties" xmlns:ns3="30ba80bf-d9c2-4d8e-8eb2-39800b00708f" xmlns:ns4="bcb77b80-1a7c-4860-8084-1a0a860fa76b" targetNamespace="http://schemas.microsoft.com/office/2006/metadata/properties" ma:root="true" ma:fieldsID="efab563a0d3226ac6bd9d2c336274c71" ns3:_="" ns4:_="">
     <xsd:import namespace="30ba80bf-d9c2-4d8e-8eb2-39800b00708f"/>
@@ -8910,24 +8927,25 @@
 </ct:contentTypeSchema>
 </file>
 
-<file path=customXml/item2.xml><?xml version="1.0" encoding="utf-8"?>
-<?mso-contentType ?>
-<FormTemplates xmlns="http://schemas.microsoft.com/sharepoint/v3/contenttype/forms">
-  <Display>DocumentLibraryForm</Display>
-  <Edit>DocumentLibraryForm</Edit>
-  <New>DocumentLibraryForm</New>
-</FormTemplates>
+<file path=customXml/itemProps1.xml><?xml version="1.0" encoding="utf-8"?>
+<ds:datastoreItem xmlns:ds="http://schemas.openxmlformats.org/officeDocument/2006/customXml" ds:itemID="{452CD355-91AA-44D7-9281-FE3D16EDCDA0}">
+  <ds:schemaRefs>
+    <ds:schemaRef ds:uri="http://schemas.microsoft.com/office/2006/metadata/properties"/>
+    <ds:schemaRef ds:uri="http://schemas.microsoft.com/office/infopath/2007/PartnerControls"/>
+    <ds:schemaRef ds:uri="30ba80bf-d9c2-4d8e-8eb2-39800b00708f"/>
+  </ds:schemaRefs>
+</ds:datastoreItem>
 </file>
 
-<file path=customXml/item3.xml><?xml version="1.0" encoding="utf-8"?>
-<p:properties xmlns:p="http://schemas.microsoft.com/office/2006/metadata/properties" xmlns:xsi="http://www.w3.org/2001/XMLSchema-instance" xmlns:pc="http://schemas.microsoft.com/office/infopath/2007/PartnerControls">
-  <documentManagement>
-    <MediaServiceKeyPoints xmlns="30ba80bf-d9c2-4d8e-8eb2-39800b00708f" xsi:nil="true"/>
-  </documentManagement>
-</p:properties>
+<file path=customXml/itemProps2.xml><?xml version="1.0" encoding="utf-8"?>
+<ds:datastoreItem xmlns:ds="http://schemas.openxmlformats.org/officeDocument/2006/customXml" ds:itemID="{CE9446AF-47BF-4B9B-8786-FE58025BA149}">
+  <ds:schemaRefs>
+    <ds:schemaRef ds:uri="http://schemas.microsoft.com/sharepoint/v3/contenttype/forms"/>
+  </ds:schemaRefs>
+</ds:datastoreItem>
 </file>
 
-<file path=customXml/itemProps1.xml><?xml version="1.0" encoding="utf-8"?>
+<file path=customXml/itemProps3.xml><?xml version="1.0" encoding="utf-8"?>
 <ds:datastoreItem xmlns:ds="http://schemas.openxmlformats.org/officeDocument/2006/customXml" ds:itemID="{670F289E-8B42-45EA-9E4B-56A6A8AEA5EE}">
   <ds:schemaRefs>
     <ds:schemaRef ds:uri="http://schemas.microsoft.com/office/2006/metadata/contentType"/>
@@ -8944,22 +8962,4 @@
     <ds:schemaRef ds:uri="http://schemas.microsoft.com/internal/obd"/>
   </ds:schemaRefs>
 </ds:datastoreItem>
-</file>
-
-<file path=customXml/itemProps2.xml><?xml version="1.0" encoding="utf-8"?>
-<ds:datastoreItem xmlns:ds="http://schemas.openxmlformats.org/officeDocument/2006/customXml" ds:itemID="{CE9446AF-47BF-4B9B-8786-FE58025BA149}">
-  <ds:schemaRefs>
-    <ds:schemaRef ds:uri="http://schemas.microsoft.com/sharepoint/v3/contenttype/forms"/>
-  </ds:schemaRefs>
-</ds:datastoreItem>
-</file>
-
-<file path=customXml/itemProps3.xml><?xml version="1.0" encoding="utf-8"?>
-<ds:datastoreItem xmlns:ds="http://schemas.openxmlformats.org/officeDocument/2006/customXml" ds:itemID="{452CD355-91AA-44D7-9281-FE3D16EDCDA0}">
-  <ds:schemaRefs>
-    <ds:schemaRef ds:uri="http://schemas.microsoft.com/office/2006/metadata/properties"/>
-    <ds:schemaRef ds:uri="http://schemas.microsoft.com/office/infopath/2007/PartnerControls"/>
-    <ds:schemaRef ds:uri="30ba80bf-d9c2-4d8e-8eb2-39800b00708f"/>
-  </ds:schemaRefs>
-</ds:datastoreItem>
 </file>